--- a/HTML5-ItsNotJustForHipsters_Widescreen.pptx
+++ b/HTML5-ItsNotJustForHipsters_Widescreen.pptx
@@ -2,7 +2,7 @@
 <file path=ppt/presentation.xml><?xml version="1.0" encoding="utf-8"?>
 <p:presentation xmlns:a="http://schemas.openxmlformats.org/drawingml/2006/main" xmlns:r="http://schemas.openxmlformats.org/officeDocument/2006/relationships" xmlns:p="http://schemas.openxmlformats.org/presentationml/2006/main" saveSubsetFonts="1">
   <p:sldMasterIdLst>
-    <p:sldMasterId id="2147483708" r:id="rId1"/>
+    <p:sldMasterId id="2147483732" r:id="rId1"/>
   </p:sldMasterIdLst>
   <p:notesMasterIdLst>
     <p:notesMasterId r:id="rId34"/>
@@ -1270,6 +1270,386 @@
       <dsp:cNvGrpSpPr/>
     </dsp:nvGrpSpPr>
     <dsp:grpSpPr/>
+    <dsp:sp modelId="{58C721CD-CBE5-4AE7-9895-DFD7DD964138}">
+      <dsp:nvSpPr>
+        <dsp:cNvPr id="0" name=""/>
+        <dsp:cNvSpPr/>
+      </dsp:nvSpPr>
+      <dsp:spPr>
+        <a:xfrm>
+          <a:off x="1029" y="773391"/>
+          <a:ext cx="2006992" cy="802797"/>
+        </a:xfrm>
+        <a:prstGeom prst="homePlate">
+          <a:avLst/>
+        </a:prstGeom>
+        <a:solidFill>
+          <a:schemeClr val="accent2"/>
+        </a:solidFill>
+        <a:ln>
+          <a:noFill/>
+        </a:ln>
+        <a:effectLst/>
+        <a:scene3d>
+          <a:camera prst="isometricOffAxis2Left" zoom="95000">
+            <a:rot lat="1200000" lon="1200000" rev="0"/>
+          </a:camera>
+          <a:lightRig rig="flat" dir="t"/>
+        </a:scene3d>
+        <a:sp3d extrusionH="381000" contourW="38100" prstMaterial="matte">
+          <a:contourClr>
+            <a:schemeClr val="lt1"/>
+          </a:contourClr>
+        </a:sp3d>
+      </dsp:spPr>
+      <dsp:style>
+        <a:lnRef idx="0">
+          <a:scrgbClr r="0" g="0" b="0"/>
+        </a:lnRef>
+        <a:fillRef idx="1">
+          <a:scrgbClr r="0" g="0" b="0"/>
+        </a:fillRef>
+        <a:effectRef idx="0">
+          <a:scrgbClr r="0" g="0" b="0"/>
+        </a:effectRef>
+        <a:fontRef idx="minor">
+          <a:schemeClr val="lt1"/>
+        </a:fontRef>
+      </dsp:style>
+      <dsp:txBody>
+        <a:bodyPr spcFirstLastPara="0" vert="horz" wrap="square" lIns="85344" tIns="42672" rIns="21336" bIns="42672" numCol="1" spcCol="1270" anchor="ctr" anchorCtr="0">
+          <a:noAutofit/>
+        </a:bodyPr>
+        <a:lstStyle/>
+        <a:p>
+          <a:pPr lvl="0" algn="ctr" defTabSz="711200">
+            <a:lnSpc>
+              <a:spcPct val="90000"/>
+            </a:lnSpc>
+            <a:spcBef>
+              <a:spcPct val="0"/>
+            </a:spcBef>
+            <a:spcAft>
+              <a:spcPct val="35000"/>
+            </a:spcAft>
+          </a:pPr>
+          <a:r>
+            <a:rPr lang="en-US" sz="1600" b="1" kern="1200" dirty="0" smtClean="0"/>
+            <a:t>First Published Working Draft</a:t>
+          </a:r>
+          <a:endParaRPr lang="en-US" sz="1600" b="1" kern="1200" dirty="0"/>
+        </a:p>
+      </dsp:txBody>
+      <dsp:txXfrm>
+        <a:off x="1029" y="773391"/>
+        <a:ext cx="1806293" cy="802797"/>
+      </dsp:txXfrm>
+    </dsp:sp>
+    <dsp:sp modelId="{E7438779-95F3-41EA-BBDB-0046BBC202DD}">
+      <dsp:nvSpPr>
+        <dsp:cNvPr id="0" name=""/>
+        <dsp:cNvSpPr/>
+      </dsp:nvSpPr>
+      <dsp:spPr>
+        <a:xfrm>
+          <a:off x="1606623" y="773391"/>
+          <a:ext cx="2006992" cy="802797"/>
+        </a:xfrm>
+        <a:prstGeom prst="chevron">
+          <a:avLst/>
+        </a:prstGeom>
+        <a:solidFill>
+          <a:schemeClr val="accent4">
+            <a:lumMod val="75000"/>
+          </a:schemeClr>
+        </a:solidFill>
+        <a:ln>
+          <a:noFill/>
+        </a:ln>
+        <a:effectLst/>
+        <a:scene3d>
+          <a:camera prst="isometricOffAxis2Left" zoom="95000">
+            <a:rot lat="1200000" lon="1200000" rev="0"/>
+          </a:camera>
+          <a:lightRig rig="flat" dir="t"/>
+        </a:scene3d>
+        <a:sp3d extrusionH="381000" contourW="38100" prstMaterial="matte">
+          <a:contourClr>
+            <a:schemeClr val="lt1"/>
+          </a:contourClr>
+        </a:sp3d>
+      </dsp:spPr>
+      <dsp:style>
+        <a:lnRef idx="0">
+          <a:scrgbClr r="0" g="0" b="0"/>
+        </a:lnRef>
+        <a:fillRef idx="1">
+          <a:scrgbClr r="0" g="0" b="0"/>
+        </a:fillRef>
+        <a:effectRef idx="0">
+          <a:scrgbClr r="0" g="0" b="0"/>
+        </a:effectRef>
+        <a:fontRef idx="minor">
+          <a:schemeClr val="lt1"/>
+        </a:fontRef>
+      </dsp:style>
+      <dsp:txBody>
+        <a:bodyPr spcFirstLastPara="0" vert="horz" wrap="square" lIns="72009" tIns="48006" rIns="24003" bIns="48006" numCol="1" spcCol="1270" anchor="ctr" anchorCtr="0">
+          <a:noAutofit/>
+        </a:bodyPr>
+        <a:lstStyle/>
+        <a:p>
+          <a:pPr lvl="0" algn="ctr" defTabSz="800100">
+            <a:lnSpc>
+              <a:spcPct val="90000"/>
+            </a:lnSpc>
+            <a:spcBef>
+              <a:spcPct val="0"/>
+            </a:spcBef>
+            <a:spcAft>
+              <a:spcPct val="35000"/>
+            </a:spcAft>
+          </a:pPr>
+          <a:r>
+            <a:rPr lang="en-US" sz="1800" b="1" kern="1200" dirty="0" smtClean="0"/>
+            <a:t>Working Draft</a:t>
+          </a:r>
+          <a:endParaRPr lang="en-US" sz="1800" b="1" kern="1200" dirty="0"/>
+        </a:p>
+      </dsp:txBody>
+      <dsp:txXfrm>
+        <a:off x="2008022" y="773391"/>
+        <a:ext cx="1204195" cy="802797"/>
+      </dsp:txXfrm>
+    </dsp:sp>
+    <dsp:sp modelId="{0E664A1B-A2D9-4EBA-8420-8FEA36DE7D0F}">
+      <dsp:nvSpPr>
+        <dsp:cNvPr id="0" name=""/>
+        <dsp:cNvSpPr/>
+      </dsp:nvSpPr>
+      <dsp:spPr>
+        <a:xfrm>
+          <a:off x="3212217" y="773391"/>
+          <a:ext cx="2006992" cy="802797"/>
+        </a:xfrm>
+        <a:prstGeom prst="chevron">
+          <a:avLst/>
+        </a:prstGeom>
+        <a:solidFill>
+          <a:schemeClr val="tx2"/>
+        </a:solidFill>
+        <a:ln>
+          <a:noFill/>
+        </a:ln>
+        <a:effectLst/>
+        <a:scene3d>
+          <a:camera prst="isometricOffAxis2Left" zoom="95000">
+            <a:rot lat="1200000" lon="1200000" rev="0"/>
+          </a:camera>
+          <a:lightRig rig="flat" dir="t"/>
+        </a:scene3d>
+        <a:sp3d extrusionH="381000" contourW="38100" prstMaterial="matte">
+          <a:contourClr>
+            <a:schemeClr val="lt1"/>
+          </a:contourClr>
+        </a:sp3d>
+      </dsp:spPr>
+      <dsp:style>
+        <a:lnRef idx="0">
+          <a:scrgbClr r="0" g="0" b="0"/>
+        </a:lnRef>
+        <a:fillRef idx="1">
+          <a:scrgbClr r="0" g="0" b="0"/>
+        </a:fillRef>
+        <a:effectRef idx="0">
+          <a:scrgbClr r="0" g="0" b="0"/>
+        </a:effectRef>
+        <a:fontRef idx="minor">
+          <a:schemeClr val="lt1"/>
+        </a:fontRef>
+      </dsp:style>
+      <dsp:txBody>
+        <a:bodyPr spcFirstLastPara="0" vert="horz" wrap="square" lIns="80010" tIns="53340" rIns="26670" bIns="53340" numCol="1" spcCol="1270" anchor="ctr" anchorCtr="0">
+          <a:noAutofit/>
+        </a:bodyPr>
+        <a:lstStyle/>
+        <a:p>
+          <a:pPr lvl="0" algn="ctr" defTabSz="889000">
+            <a:lnSpc>
+              <a:spcPct val="90000"/>
+            </a:lnSpc>
+            <a:spcBef>
+              <a:spcPct val="0"/>
+            </a:spcBef>
+            <a:spcAft>
+              <a:spcPct val="35000"/>
+            </a:spcAft>
+          </a:pPr>
+          <a:r>
+            <a:rPr lang="en-US" sz="2000" b="1" kern="1200" dirty="0" smtClean="0"/>
+            <a:t>Last Call</a:t>
+          </a:r>
+          <a:endParaRPr lang="en-US" sz="2000" b="1" kern="1200" dirty="0"/>
+        </a:p>
+      </dsp:txBody>
+      <dsp:txXfrm>
+        <a:off x="3613616" y="773391"/>
+        <a:ext cx="1204195" cy="802797"/>
+      </dsp:txXfrm>
+    </dsp:sp>
+    <dsp:sp modelId="{92CB64F5-10B4-4B2A-A13B-8015A492F36C}">
+      <dsp:nvSpPr>
+        <dsp:cNvPr id="0" name=""/>
+        <dsp:cNvSpPr/>
+      </dsp:nvSpPr>
+      <dsp:spPr>
+        <a:xfrm>
+          <a:off x="4817811" y="773391"/>
+          <a:ext cx="2006992" cy="802797"/>
+        </a:xfrm>
+        <a:prstGeom prst="chevron">
+          <a:avLst/>
+        </a:prstGeom>
+        <a:solidFill>
+          <a:schemeClr val="tx2">
+            <a:lumMod val="60000"/>
+            <a:lumOff val="40000"/>
+          </a:schemeClr>
+        </a:solidFill>
+        <a:ln>
+          <a:noFill/>
+        </a:ln>
+        <a:effectLst/>
+        <a:scene3d>
+          <a:camera prst="isometricOffAxis2Left" zoom="95000">
+            <a:rot lat="1200000" lon="1200000" rev="0"/>
+          </a:camera>
+          <a:lightRig rig="flat" dir="t"/>
+        </a:scene3d>
+        <a:sp3d extrusionH="381000" contourW="38100" prstMaterial="matte">
+          <a:contourClr>
+            <a:schemeClr val="lt1"/>
+          </a:contourClr>
+        </a:sp3d>
+      </dsp:spPr>
+      <dsp:style>
+        <a:lnRef idx="0">
+          <a:scrgbClr r="0" g="0" b="0"/>
+        </a:lnRef>
+        <a:fillRef idx="1">
+          <a:scrgbClr r="0" g="0" b="0"/>
+        </a:fillRef>
+        <a:effectRef idx="0">
+          <a:scrgbClr r="0" g="0" b="0"/>
+        </a:effectRef>
+        <a:fontRef idx="minor">
+          <a:schemeClr val="lt1"/>
+        </a:fontRef>
+      </dsp:style>
+      <dsp:txBody>
+        <a:bodyPr spcFirstLastPara="0" vert="horz" wrap="square" lIns="56007" tIns="37338" rIns="18669" bIns="37338" numCol="1" spcCol="1270" anchor="ctr" anchorCtr="0">
+          <a:noAutofit/>
+        </a:bodyPr>
+        <a:lstStyle/>
+        <a:p>
+          <a:pPr lvl="0" algn="ctr" defTabSz="622300">
+            <a:lnSpc>
+              <a:spcPct val="90000"/>
+            </a:lnSpc>
+            <a:spcBef>
+              <a:spcPct val="0"/>
+            </a:spcBef>
+            <a:spcAft>
+              <a:spcPct val="35000"/>
+            </a:spcAft>
+          </a:pPr>
+          <a:r>
+            <a:rPr lang="en-US" sz="1400" b="1" kern="1200" dirty="0" smtClean="0"/>
+            <a:t>Candidate Recommendation</a:t>
+          </a:r>
+          <a:endParaRPr lang="en-US" sz="1400" b="1" kern="1200" dirty="0"/>
+        </a:p>
+      </dsp:txBody>
+      <dsp:txXfrm>
+        <a:off x="5219210" y="773391"/>
+        <a:ext cx="1204195" cy="802797"/>
+      </dsp:txXfrm>
+    </dsp:sp>
+    <dsp:sp modelId="{C431D966-A2F9-4DF3-976E-51B43252A23A}">
+      <dsp:nvSpPr>
+        <dsp:cNvPr id="0" name=""/>
+        <dsp:cNvSpPr/>
+      </dsp:nvSpPr>
+      <dsp:spPr>
+        <a:xfrm>
+          <a:off x="6423406" y="773391"/>
+          <a:ext cx="2006992" cy="802797"/>
+        </a:xfrm>
+        <a:prstGeom prst="chevron">
+          <a:avLst/>
+        </a:prstGeom>
+        <a:solidFill>
+          <a:schemeClr val="accent1"/>
+        </a:solidFill>
+        <a:ln>
+          <a:noFill/>
+        </a:ln>
+        <a:effectLst/>
+        <a:scene3d>
+          <a:camera prst="isometricOffAxis2Left" zoom="95000">
+            <a:rot lat="1200000" lon="1200000" rev="0"/>
+          </a:camera>
+          <a:lightRig rig="flat" dir="t"/>
+        </a:scene3d>
+        <a:sp3d extrusionH="381000" contourW="38100" prstMaterial="matte">
+          <a:contourClr>
+            <a:schemeClr val="lt1"/>
+          </a:contourClr>
+        </a:sp3d>
+      </dsp:spPr>
+      <dsp:style>
+        <a:lnRef idx="0">
+          <a:scrgbClr r="0" g="0" b="0"/>
+        </a:lnRef>
+        <a:fillRef idx="1">
+          <a:scrgbClr r="0" g="0" b="0"/>
+        </a:fillRef>
+        <a:effectRef idx="0">
+          <a:scrgbClr r="0" g="0" b="0"/>
+        </a:effectRef>
+        <a:fontRef idx="minor">
+          <a:schemeClr val="lt1"/>
+        </a:fontRef>
+      </dsp:style>
+      <dsp:txBody>
+        <a:bodyPr spcFirstLastPara="0" vert="horz" wrap="square" lIns="137160" tIns="37338" rIns="0" bIns="37338" numCol="1" spcCol="1270" anchor="ctr" anchorCtr="0">
+          <a:noAutofit/>
+        </a:bodyPr>
+        <a:lstStyle/>
+        <a:p>
+          <a:pPr lvl="0" algn="ctr" defTabSz="622300">
+            <a:lnSpc>
+              <a:spcPct val="90000"/>
+            </a:lnSpc>
+            <a:spcBef>
+              <a:spcPct val="0"/>
+            </a:spcBef>
+            <a:spcAft>
+              <a:spcPct val="35000"/>
+            </a:spcAft>
+          </a:pPr>
+          <a:r>
+            <a:rPr lang="en-US" sz="1400" b="1" kern="1200" spc="-50" baseline="0" dirty="0" smtClean="0"/>
+            <a:t>Recommendation</a:t>
+          </a:r>
+          <a:endParaRPr lang="en-US" sz="1400" b="1" kern="1200" spc="-50" baseline="0" dirty="0"/>
+        </a:p>
+      </dsp:txBody>
+      <dsp:txXfrm>
+        <a:off x="6824805" y="773391"/>
+        <a:ext cx="1204195" cy="802797"/>
+      </dsp:txXfrm>
+    </dsp:sp>
   </dsp:spTree>
 </dsp:drawing>
 </file>
@@ -2766,7 +3146,7 @@
           <a:p>
             <a:fld id="{D39C16E0-0246-47C1-91A7-ED3E8784215F}" type="datetimeFigureOut">
               <a:rPr lang="en-US" smtClean="0"/>
-              <a:t>8/21/2012</a:t>
+              <a:t>8/29/2012</a:t>
             </a:fld>
             <a:endParaRPr lang="en-US"/>
           </a:p>
@@ -10671,26 +11051,18 @@
             </a:br>
             <a:r>
               <a:rPr lang="en-US" sz="1400" dirty="0" smtClean="0"/>
-              <a:t>Senior </a:t>
-            </a:r>
-            <a:r>
-              <a:rPr lang="en-US" sz="1400" dirty="0" err="1" smtClean="0"/>
-              <a:t>Sofware</a:t>
-            </a:r>
-            <a:r>
-              <a:rPr lang="en-US" sz="1400" dirty="0" smtClean="0"/>
-              <a:t> Engineer</a:t>
+              <a:t>Senior Software Engineer</a:t>
             </a:r>
             <a:br>
               <a:rPr lang="en-US" sz="1400" dirty="0" smtClean="0"/>
             </a:br>
             <a:r>
               <a:rPr lang="en-US" sz="1400" dirty="0" smtClean="0"/>
-              <a:t>Skyline Technologies, </a:t>
-            </a:r>
-            <a:r>
-              <a:rPr lang="en-US" sz="1400" dirty="0" err="1" smtClean="0"/>
-              <a:t>Inc</a:t>
+              <a:t>Skyline Technologies</a:t>
+            </a:r>
+            <a:r>
+              <a:rPr lang="en-US" sz="1400" smtClean="0"/>
+              <a:t>, Inc.</a:t>
             </a:r>
             <a:endParaRPr lang="en-US" sz="1400" dirty="0" smtClean="0"/>
           </a:p>
@@ -10748,7 +11120,7 @@
     </p:spTree>
     <p:extLst>
       <p:ext uri="{BB962C8B-B14F-4D97-AF65-F5344CB8AC3E}">
-        <p14:creationId xmlns:p14="http://schemas.microsoft.com/office/powerpoint/2010/main" val="1937544197"/>
+        <p14:creationId xmlns:p14="http://schemas.microsoft.com/office/powerpoint/2010/main" val="3713058699"/>
       </p:ext>
     </p:extLst>
   </p:cSld>
@@ -10860,13 +11232,20 @@
     </p:spTree>
     <p:extLst>
       <p:ext uri="{BB962C8B-B14F-4D97-AF65-F5344CB8AC3E}">
-        <p14:creationId xmlns:p14="http://schemas.microsoft.com/office/powerpoint/2010/main" val="1648232957"/>
+        <p14:creationId xmlns:p14="http://schemas.microsoft.com/office/powerpoint/2010/main" val="3337962022"/>
       </p:ext>
     </p:extLst>
   </p:cSld>
   <p:clrMapOvr>
     <a:masterClrMapping/>
   </p:clrMapOvr>
+  <p:timing>
+    <p:tnLst>
+      <p:par>
+        <p:cTn id="1" dur="indefinite" restart="never" nodeType="tmRoot"/>
+      </p:par>
+    </p:tnLst>
+  </p:timing>
 </p:sldLayout>
 </file>
 
@@ -10975,13 +11354,20 @@
     </p:spTree>
     <p:extLst>
       <p:ext uri="{BB962C8B-B14F-4D97-AF65-F5344CB8AC3E}">
-        <p14:creationId xmlns:p14="http://schemas.microsoft.com/office/powerpoint/2010/main" val="3860956552"/>
+        <p14:creationId xmlns:p14="http://schemas.microsoft.com/office/powerpoint/2010/main" val="334146113"/>
       </p:ext>
     </p:extLst>
   </p:cSld>
   <p:clrMapOvr>
     <a:masterClrMapping/>
   </p:clrMapOvr>
+  <p:timing>
+    <p:tnLst>
+      <p:par>
+        <p:cTn id="1" dur="indefinite" restart="never" nodeType="tmRoot"/>
+      </p:par>
+    </p:tnLst>
+  </p:timing>
 </p:sldLayout>
 </file>
 
@@ -11080,13 +11466,20 @@
     </p:spTree>
     <p:extLst>
       <p:ext uri="{BB962C8B-B14F-4D97-AF65-F5344CB8AC3E}">
-        <p14:creationId xmlns:p14="http://schemas.microsoft.com/office/powerpoint/2010/main" val="1900774549"/>
+        <p14:creationId xmlns:p14="http://schemas.microsoft.com/office/powerpoint/2010/main" val="2873027434"/>
       </p:ext>
     </p:extLst>
   </p:cSld>
   <p:clrMapOvr>
     <a:masterClrMapping/>
   </p:clrMapOvr>
+  <p:timing>
+    <p:tnLst>
+      <p:par>
+        <p:cTn id="1" dur="indefinite" restart="never" nodeType="tmRoot"/>
+      </p:par>
+    </p:tnLst>
+  </p:timing>
 </p:sldLayout>
 </file>
 
@@ -11213,13 +11606,20 @@
     </p:spTree>
     <p:extLst>
       <p:ext uri="{BB962C8B-B14F-4D97-AF65-F5344CB8AC3E}">
-        <p14:creationId xmlns:p14="http://schemas.microsoft.com/office/powerpoint/2010/main" val="1866699432"/>
+        <p14:creationId xmlns:p14="http://schemas.microsoft.com/office/powerpoint/2010/main" val="502958065"/>
       </p:ext>
     </p:extLst>
   </p:cSld>
   <p:clrMapOvr>
     <a:masterClrMapping/>
   </p:clrMapOvr>
+  <p:timing>
+    <p:tnLst>
+      <p:par>
+        <p:cTn id="1" dur="indefinite" restart="never" nodeType="tmRoot"/>
+      </p:par>
+    </p:tnLst>
+  </p:timing>
 </p:sldLayout>
 </file>
 
@@ -11436,13 +11836,20 @@
     </p:spTree>
     <p:extLst>
       <p:ext uri="{BB962C8B-B14F-4D97-AF65-F5344CB8AC3E}">
-        <p14:creationId xmlns:p14="http://schemas.microsoft.com/office/powerpoint/2010/main" val="626444490"/>
+        <p14:creationId xmlns:p14="http://schemas.microsoft.com/office/powerpoint/2010/main" val="294062307"/>
       </p:ext>
     </p:extLst>
   </p:cSld>
   <p:clrMapOvr>
     <a:masterClrMapping/>
   </p:clrMapOvr>
+  <p:timing>
+    <p:tnLst>
+      <p:par>
+        <p:cTn id="1" dur="indefinite" restart="never" nodeType="tmRoot"/>
+      </p:par>
+    </p:tnLst>
+  </p:timing>
 </p:sldLayout>
 </file>
 
@@ -11794,13 +12201,20 @@
     </p:spTree>
     <p:extLst>
       <p:ext uri="{BB962C8B-B14F-4D97-AF65-F5344CB8AC3E}">
-        <p14:creationId xmlns:p14="http://schemas.microsoft.com/office/powerpoint/2010/main" val="788350188"/>
+        <p14:creationId xmlns:p14="http://schemas.microsoft.com/office/powerpoint/2010/main" val="1165848264"/>
       </p:ext>
     </p:extLst>
   </p:cSld>
   <p:clrMapOvr>
     <a:masterClrMapping/>
   </p:clrMapOvr>
+  <p:timing>
+    <p:tnLst>
+      <p:par>
+        <p:cTn id="1" dur="indefinite" restart="never" nodeType="tmRoot"/>
+      </p:par>
+    </p:tnLst>
+  </p:timing>
 </p:sldLayout>
 </file>
 
@@ -11847,13 +12261,20 @@
     </p:spTree>
     <p:extLst>
       <p:ext uri="{BB962C8B-B14F-4D97-AF65-F5344CB8AC3E}">
-        <p14:creationId xmlns:p14="http://schemas.microsoft.com/office/powerpoint/2010/main" val="1903987500"/>
+        <p14:creationId xmlns:p14="http://schemas.microsoft.com/office/powerpoint/2010/main" val="2217970679"/>
       </p:ext>
     </p:extLst>
   </p:cSld>
   <p:clrMapOvr>
     <a:masterClrMapping/>
   </p:clrMapOvr>
+  <p:timing>
+    <p:tnLst>
+      <p:par>
+        <p:cTn id="1" dur="indefinite" restart="never" nodeType="tmRoot"/>
+      </p:par>
+    </p:tnLst>
+  </p:timing>
 </p:sldLayout>
 </file>
 
@@ -11877,13 +12298,20 @@
     </p:spTree>
     <p:extLst>
       <p:ext uri="{BB962C8B-B14F-4D97-AF65-F5344CB8AC3E}">
-        <p14:creationId xmlns:p14="http://schemas.microsoft.com/office/powerpoint/2010/main" val="2324670954"/>
+        <p14:creationId xmlns:p14="http://schemas.microsoft.com/office/powerpoint/2010/main" val="3053775057"/>
       </p:ext>
     </p:extLst>
   </p:cSld>
   <p:clrMapOvr>
     <a:masterClrMapping/>
   </p:clrMapOvr>
+  <p:timing>
+    <p:tnLst>
+      <p:par>
+        <p:cTn id="1" dur="indefinite" restart="never" nodeType="tmRoot"/>
+      </p:par>
+    </p:tnLst>
+  </p:timing>
 </p:sldLayout>
 </file>
 
@@ -12089,13 +12517,20 @@
     </p:spTree>
     <p:extLst>
       <p:ext uri="{BB962C8B-B14F-4D97-AF65-F5344CB8AC3E}">
-        <p14:creationId xmlns:p14="http://schemas.microsoft.com/office/powerpoint/2010/main" val="1175838780"/>
+        <p14:creationId xmlns:p14="http://schemas.microsoft.com/office/powerpoint/2010/main" val="2641292086"/>
       </p:ext>
     </p:extLst>
   </p:cSld>
   <p:clrMapOvr>
     <a:masterClrMapping/>
   </p:clrMapOvr>
+  <p:timing>
+    <p:tnLst>
+      <p:par>
+        <p:cTn id="1" dur="indefinite" restart="never" nodeType="tmRoot"/>
+      </p:par>
+    </p:tnLst>
+  </p:timing>
 </p:sldLayout>
 </file>
 
@@ -12281,13 +12716,20 @@
     </p:spTree>
     <p:extLst>
       <p:ext uri="{BB962C8B-B14F-4D97-AF65-F5344CB8AC3E}">
-        <p14:creationId xmlns:p14="http://schemas.microsoft.com/office/powerpoint/2010/main" val="3387356269"/>
+        <p14:creationId xmlns:p14="http://schemas.microsoft.com/office/powerpoint/2010/main" val="1079157558"/>
       </p:ext>
     </p:extLst>
   </p:cSld>
   <p:clrMapOvr>
     <a:masterClrMapping/>
   </p:clrMapOvr>
+  <p:timing>
+    <p:tnLst>
+      <p:par>
+        <p:cTn id="1" dur="indefinite" restart="never" nodeType="tmRoot"/>
+      </p:par>
+    </p:tnLst>
+  </p:timing>
 </p:sldLayout>
 </file>
 
@@ -12471,23 +12913,23 @@
     </p:spTree>
     <p:extLst>
       <p:ext uri="{BB962C8B-B14F-4D97-AF65-F5344CB8AC3E}">
-        <p14:creationId xmlns:p14="http://schemas.microsoft.com/office/powerpoint/2010/main" val="674329549"/>
+        <p14:creationId xmlns:p14="http://schemas.microsoft.com/office/powerpoint/2010/main" val="1567154648"/>
       </p:ext>
     </p:extLst>
   </p:cSld>
   <p:clrMap bg1="lt1" tx1="dk1" bg2="lt2" tx2="dk2" accent1="accent1" accent2="accent2" accent3="accent3" accent4="accent4" accent5="accent5" accent6="accent6" hlink="hlink" folHlink="folHlink"/>
   <p:sldLayoutIdLst>
-    <p:sldLayoutId id="2147483709" r:id="rId1"/>
-    <p:sldLayoutId id="2147483710" r:id="rId2"/>
-    <p:sldLayoutId id="2147483711" r:id="rId3"/>
-    <p:sldLayoutId id="2147483712" r:id="rId4"/>
-    <p:sldLayoutId id="2147483713" r:id="rId5"/>
-    <p:sldLayoutId id="2147483714" r:id="rId6"/>
-    <p:sldLayoutId id="2147483715" r:id="rId7"/>
-    <p:sldLayoutId id="2147483716" r:id="rId8"/>
-    <p:sldLayoutId id="2147483717" r:id="rId9"/>
-    <p:sldLayoutId id="2147483718" r:id="rId10"/>
-    <p:sldLayoutId id="2147483719" r:id="rId11"/>
+    <p:sldLayoutId id="2147483733" r:id="rId1"/>
+    <p:sldLayoutId id="2147483734" r:id="rId2"/>
+    <p:sldLayoutId id="2147483735" r:id="rId3"/>
+    <p:sldLayoutId id="2147483736" r:id="rId4"/>
+    <p:sldLayoutId id="2147483737" r:id="rId5"/>
+    <p:sldLayoutId id="2147483738" r:id="rId6"/>
+    <p:sldLayoutId id="2147483739" r:id="rId7"/>
+    <p:sldLayoutId id="2147483740" r:id="rId8"/>
+    <p:sldLayoutId id="2147483741" r:id="rId9"/>
+    <p:sldLayoutId id="2147483742" r:id="rId10"/>
+    <p:sldLayoutId id="2147483743" r:id="rId11"/>
   </p:sldLayoutIdLst>
   <p:timing>
     <p:tnLst>
@@ -12811,7 +13253,7 @@
         </p:blipFill>
         <p:spPr>
           <a:xfrm>
-            <a:off x="3714750" y="1941160"/>
+            <a:off x="3714750" y="2273672"/>
             <a:ext cx="4762500" cy="3162300"/>
           </a:xfrm>
           <a:prstGeom prst="rect">
@@ -12831,7 +13273,7 @@
         </p:nvSpPr>
         <p:spPr>
           <a:xfrm>
-            <a:off x="2210405" y="1416803"/>
+            <a:off x="2210405" y="1749315"/>
             <a:ext cx="7771190" cy="1470422"/>
           </a:xfrm>
         </p:spPr>
